--- a/sonya/doc/sonya_page_design_v01.pptx
+++ b/sonya/doc/sonya_page_design_v01.pptx
@@ -201,6 +201,7 @@
           <a:p>
             <a:fld id="{FAF152D5-DA20-4BB7-BE79-42E53BE63D5F}" type="datetimeFigureOut">
               <a:rPr lang="ko-KR" altLang="en-US" smtClean="0"/>
+              <a:pPr/>
               <a:t>2008-05-28</a:t>
             </a:fld>
             <a:endParaRPr lang="ko-KR" altLang="en-US"/>
@@ -267,6 +268,7 @@
           <a:p>
             <a:fld id="{71D455C8-2C6C-49BC-9740-7FE4A13E4002}" type="slidenum">
               <a:rPr lang="ko-KR" altLang="en-US" smtClean="0"/>
+              <a:pPr/>
               <a:t>‹#›</a:t>
             </a:fld>
             <a:endParaRPr lang="ko-KR" altLang="en-US"/>
@@ -5108,6 +5110,13 @@
   <p:clrMapOvr>
     <a:masterClrMapping/>
   </p:clrMapOvr>
+  <p:timing>
+    <p:tnLst>
+      <p:par>
+        <p:cTn id="1" dur="indefinite" restart="never" nodeType="tmRoot"/>
+      </p:par>
+    </p:tnLst>
+  </p:timing>
 </p:sld>
 </file>
 
@@ -5479,6 +5488,13 @@
   <p:clrMapOvr>
     <a:masterClrMapping/>
   </p:clrMapOvr>
+  <p:timing>
+    <p:tnLst>
+      <p:par>
+        <p:cTn id="1" dur="indefinite" restart="never" nodeType="tmRoot"/>
+      </p:par>
+    </p:tnLst>
+  </p:timing>
 </p:sld>
 </file>
 
@@ -7799,6 +7815,13 @@
   <p:clrMapOvr>
     <a:masterClrMapping/>
   </p:clrMapOvr>
+  <p:timing>
+    <p:tnLst>
+      <p:par>
+        <p:cTn id="1" dur="indefinite" restart="never" nodeType="tmRoot"/>
+      </p:par>
+    </p:tnLst>
+  </p:timing>
 </p:sld>
 </file>
 
@@ -10017,15 +10040,7 @@
           </a:p>
           <a:p>
             <a:r>
-              <a:rPr lang="ko-KR" altLang="en-US" sz="1000" dirty="0">
-                <a:latin typeface="맑은 고딕" pitchFamily="50" charset="-127"/>
-                <a:ea typeface="맑은 고딕" pitchFamily="50" charset="-127"/>
-                <a:cs typeface="Arial" charset="0"/>
-              </a:rPr>
-              <a:t> </a:t>
-            </a:r>
-            <a:r>
-              <a:rPr lang="ko-KR" altLang="en-US" sz="1000" u="sng" dirty="0">
+              <a:rPr lang="ko-KR" altLang="en-US" sz="1000" u="sng" dirty="0" smtClean="0">
                 <a:latin typeface="맑은 고딕" pitchFamily="50" charset="-127"/>
                 <a:ea typeface="맑은 고딕" pitchFamily="50" charset="-127"/>
                 <a:cs typeface="Arial" charset="0"/>
@@ -10033,7 +10048,7 @@
               <a:t>등록</a:t>
             </a:r>
             <a:r>
-              <a:rPr lang="ko-KR" altLang="en-US" sz="1000" dirty="0">
+              <a:rPr lang="ko-KR" altLang="en-US" sz="1000" dirty="0" smtClean="0">
                 <a:latin typeface="맑은 고딕" pitchFamily="50" charset="-127"/>
                 <a:ea typeface="맑은 고딕" pitchFamily="50" charset="-127"/>
                 <a:cs typeface="Arial" charset="0"/>
@@ -10175,6 +10190,13 @@
   <p:clrMapOvr>
     <a:masterClrMapping/>
   </p:clrMapOvr>
+  <p:timing>
+    <p:tnLst>
+      <p:par>
+        <p:cTn id="1" dur="indefinite" restart="never" nodeType="tmRoot"/>
+      </p:par>
+    </p:tnLst>
+  </p:timing>
 </p:sld>
 </file>
 
@@ -10544,6 +10566,13 @@
   <p:clrMapOvr>
     <a:masterClrMapping/>
   </p:clrMapOvr>
+  <p:timing>
+    <p:tnLst>
+      <p:par>
+        <p:cTn id="1" dur="indefinite" restart="never" nodeType="tmRoot"/>
+      </p:par>
+    </p:tnLst>
+  </p:timing>
 </p:sld>
 </file>
 
@@ -18443,6 +18472,13 @@
   <p:clrMapOvr>
     <a:masterClrMapping/>
   </p:clrMapOvr>
+  <p:timing>
+    <p:tnLst>
+      <p:par>
+        <p:cTn id="1" dur="indefinite" restart="never" nodeType="tmRoot"/>
+      </p:par>
+    </p:tnLst>
+  </p:timing>
 </p:sld>
 </file>
 
@@ -18962,6 +18998,13 @@
   <p:clrMapOvr>
     <a:masterClrMapping/>
   </p:clrMapOvr>
+  <p:timing>
+    <p:tnLst>
+      <p:par>
+        <p:cTn id="1" dur="indefinite" restart="never" nodeType="tmRoot"/>
+      </p:par>
+    </p:tnLst>
+  </p:timing>
 </p:sld>
 </file>
 

--- a/sonya/doc/sonya_page_design_v01.pptx
+++ b/sonya/doc/sonya_page_design_v01.pptx
@@ -202,7 +202,7 @@
             <a:fld id="{FAF152D5-DA20-4BB7-BE79-42E53BE63D5F}" type="datetimeFigureOut">
               <a:rPr lang="ko-KR" altLang="en-US" smtClean="0"/>
               <a:pPr/>
-              <a:t>2008-05-28</a:t>
+              <a:t>2008-05-29</a:t>
             </a:fld>
             <a:endParaRPr lang="ko-KR" altLang="en-US"/>
           </a:p>
@@ -365,7 +365,7 @@
             <a:fld id="{444C8D52-0700-4F5E-81A2-CA30CA11733D}" type="datetimeFigureOut">
               <a:rPr lang="ko-KR" altLang="en-US" smtClean="0"/>
               <a:pPr/>
-              <a:t>2008-05-28</a:t>
+              <a:t>2008-05-29</a:t>
             </a:fld>
             <a:endParaRPr lang="ko-KR" altLang="en-US"/>
           </a:p>
@@ -5465,7 +5465,7 @@
         </p:nvCxnSpPr>
         <p:spPr>
           <a:xfrm>
-            <a:off x="1905000" y="1890713"/>
+            <a:off x="1905000" y="1927215"/>
             <a:ext cx="5486400" cy="1587"/>
           </a:xfrm>
           <a:prstGeom prst="line">
@@ -10543,7 +10543,7 @@
         </p:nvCxnSpPr>
         <p:spPr>
           <a:xfrm>
-            <a:off x="1905000" y="1890713"/>
+            <a:off x="1905000" y="1927215"/>
             <a:ext cx="5486400" cy="1587"/>
           </a:xfrm>
           <a:prstGeom prst="line">
@@ -18975,7 +18975,7 @@
         </p:nvCxnSpPr>
         <p:spPr>
           <a:xfrm>
-            <a:off x="1905000" y="1890713"/>
+            <a:off x="1905000" y="1927215"/>
             <a:ext cx="5486400" cy="1587"/>
           </a:xfrm>
           <a:prstGeom prst="line">
